--- a/Lecture Slides/Module4_Unguided_Medium_and_Antennas.pptx
+++ b/Lecture Slides/Module4_Unguided_Medium_and_Antennas.pptx
@@ -140,6 +140,43 @@
 </p:presentation>
 </file>
 
+<file path=ppt/revisionInfo.xml><?xml version="1.0" encoding="utf-8"?>
+<p1510:revInfo xmlns:a="http://schemas.openxmlformats.org/drawingml/2006/main" xmlns:r="http://schemas.openxmlformats.org/officeDocument/2006/relationships" xmlns:p1510="http://schemas.microsoft.com/office/powerpoint/2015/10/main">
+  <p1510:revLst>
+    <p1510:client id="{41A807A1-7796-472B-B4AE-1BFBF2B17984}" v="3" dt="2024-02-22T22:43:01.065"/>
+  </p1510:revLst>
+</p1510:revInfo>
+</file>
+
+<file path=ppt/changesInfos/changesInfo1.xml><?xml version="1.0" encoding="utf-8"?>
+<pc:chgInfo xmlns:a="http://schemas.openxmlformats.org/drawingml/2006/main" xmlns:r="http://schemas.openxmlformats.org/officeDocument/2006/relationships" xmlns:ac="http://schemas.microsoft.com/office/drawing/2013/main/command" xmlns:pc="http://schemas.microsoft.com/office/powerpoint/2013/main/command">
+  <pc:docChgLst>
+    <pc:chgData name="Anay Sinhal" userId="3b84d679-3b38-40f9-87be-70a05980df75" providerId="ADAL" clId="{41A807A1-7796-472B-B4AE-1BFBF2B17984}"/>
+    <pc:docChg chg="modSld">
+      <pc:chgData name="Anay Sinhal" userId="3b84d679-3b38-40f9-87be-70a05980df75" providerId="ADAL" clId="{41A807A1-7796-472B-B4AE-1BFBF2B17984}" dt="2024-02-22T22:43:01.064" v="2" actId="1035"/>
+      <pc:docMkLst>
+        <pc:docMk/>
+      </pc:docMkLst>
+      <pc:sldChg chg="modSp">
+        <pc:chgData name="Anay Sinhal" userId="3b84d679-3b38-40f9-87be-70a05980df75" providerId="ADAL" clId="{41A807A1-7796-472B-B4AE-1BFBF2B17984}" dt="2024-02-22T22:43:01.064" v="2" actId="1035"/>
+        <pc:sldMkLst>
+          <pc:docMk/>
+          <pc:sldMk cId="1241984047" sldId="342"/>
+        </pc:sldMkLst>
+        <pc:spChg chg="mod">
+          <ac:chgData name="Anay Sinhal" userId="3b84d679-3b38-40f9-87be-70a05980df75" providerId="ADAL" clId="{41A807A1-7796-472B-B4AE-1BFBF2B17984}" dt="2024-02-22T22:43:01.064" v="2" actId="1035"/>
+          <ac:spMkLst>
+            <pc:docMk/>
+            <pc:sldMk cId="1241984047" sldId="342"/>
+            <ac:spMk id="18" creationId="{883B8B7C-52E4-7C4B-8F8D-C53D3AF05B50}"/>
+          </ac:spMkLst>
+        </pc:spChg>
+      </pc:sldChg>
+    </pc:docChg>
+  </pc:docChgLst>
+</pc:chgInfo>
+</file>
+
 <file path=ppt/handoutMasters/handoutMaster1.xml><?xml version="1.0" encoding="utf-8"?>
 <p:handoutMaster xmlns:a="http://schemas.openxmlformats.org/drawingml/2006/main" xmlns:r="http://schemas.openxmlformats.org/officeDocument/2006/relationships" xmlns:p="http://schemas.openxmlformats.org/presentationml/2006/main">
   <p:cSld>
@@ -222,7 +259,7 @@
           <a:p>
             <a:fld id="{CD9CCD23-B213-4449-9F19-0FF2A0237F1D}" type="datetimeFigureOut">
               <a:rPr lang="en-IN" smtClean="0"/>
-              <a:t>10-01-2024</a:t>
+              <a:t>23-02-2024</a:t>
             </a:fld>
             <a:endParaRPr lang="en-IN"/>
           </a:p>
@@ -387,7 +424,7 @@
           <a:p>
             <a:fld id="{BDA1889E-C7EC-45CB-B713-9702810221D9}" type="datetimeFigureOut">
               <a:rPr lang="en-IN" smtClean="0"/>
-              <a:t>10-01-2024</a:t>
+              <a:t>23-02-2024</a:t>
             </a:fld>
             <a:endParaRPr lang="en-IN"/>
           </a:p>
@@ -451,35 +488,35 @@
           <a:p>
             <a:pPr lvl="0"/>
             <a:r>
-              <a:rPr lang="en-US" smtClean="0"/>
+              <a:rPr lang="en-US"/>
               <a:t>Edit Master text styles</a:t>
             </a:r>
           </a:p>
           <a:p>
             <a:pPr lvl="1"/>
             <a:r>
-              <a:rPr lang="en-US" smtClean="0"/>
+              <a:rPr lang="en-US"/>
               <a:t>Second level</a:t>
             </a:r>
           </a:p>
           <a:p>
             <a:pPr lvl="2"/>
             <a:r>
-              <a:rPr lang="en-US" smtClean="0"/>
+              <a:rPr lang="en-US"/>
               <a:t>Third level</a:t>
             </a:r>
           </a:p>
           <a:p>
             <a:pPr lvl="3"/>
             <a:r>
-              <a:rPr lang="en-US" smtClean="0"/>
+              <a:rPr lang="en-US"/>
               <a:t>Fourth level</a:t>
             </a:r>
           </a:p>
           <a:p>
             <a:pPr lvl="4"/>
             <a:r>
-              <a:rPr lang="en-US" smtClean="0"/>
+              <a:rPr lang="en-US"/>
               <a:t>Fifth level</a:t>
             </a:r>
             <a:endParaRPr lang="en-IN"/>
@@ -728,7 +765,7 @@
                 <a:spcPct val="0"/>
               </a:spcBef>
             </a:pPr>
-            <a:endParaRPr lang="en-US" dirty="0" smtClean="0"/>
+            <a:endParaRPr lang="en-US" dirty="0"/>
           </a:p>
         </p:txBody>
       </p:sp>
@@ -866,7 +903,7 @@
             </a:lvl9pPr>
           </a:lstStyle>
           <a:p>
-            <a:endParaRPr lang="en-US" sz="1200" smtClean="0">
+            <a:endParaRPr lang="en-US" sz="1200">
               <a:cs typeface="Arial" pitchFamily="34" charset="0"/>
             </a:endParaRPr>
           </a:p>
@@ -1011,9 +1048,9 @@
                 <a:cs typeface="Arial" pitchFamily="34" charset="0"/>
               </a:rPr>
               <a:pPr/>
-              <a:t>10/01/2024 13:39</a:t>
+              <a:t>23/02/2024 04:09</a:t>
             </a:fld>
-            <a:endParaRPr lang="en-GB" sz="1200" smtClean="0">
+            <a:endParaRPr lang="en-GB" sz="1200">
               <a:cs typeface="Arial" pitchFamily="34" charset="0"/>
             </a:endParaRPr>
           </a:p>
@@ -1158,7 +1195,7 @@
           </a:lstStyle>
           <a:p>
             <a:r>
-              <a:rPr lang="en-GB" sz="500" smtClean="0">
+              <a:rPr lang="en-GB" sz="500">
                 <a:solidFill>
                   <a:srgbClr val="000000"/>
                 </a:solidFill>
@@ -1169,7 +1206,7 @@
           </a:p>
           <a:p>
             <a:r>
-              <a:rPr lang="en-GB" sz="500" smtClean="0">
+              <a:rPr lang="en-GB" sz="500">
                 <a:solidFill>
                   <a:srgbClr val="000000"/>
                 </a:solidFill>
@@ -1178,7 +1215,7 @@
               <a:t>The information herein is for informational purposes only and represents the current view of Microsoft Corporation as of the date of this presentation.  Because Microsoft must respond to changing market conditions, it should not be interpreted to be a commitment on the part of Microsoft, and Microsoft cannot guarantee the accuracy of any information provided after the date of this presentation.  </a:t>
             </a:r>
             <a:br>
-              <a:rPr lang="en-GB" sz="500" smtClean="0">
+              <a:rPr lang="en-GB" sz="500">
                 <a:solidFill>
                   <a:srgbClr val="000000"/>
                 </a:solidFill>
@@ -1186,7 +1223,7 @@
               </a:rPr>
             </a:br>
             <a:r>
-              <a:rPr lang="en-GB" sz="500" smtClean="0">
+              <a:rPr lang="en-GB" sz="500">
                 <a:solidFill>
                   <a:srgbClr val="000000"/>
                 </a:solidFill>
@@ -1196,7 +1233,7 @@
             </a:r>
           </a:p>
           <a:p>
-            <a:endParaRPr lang="en-GB" sz="500" smtClean="0">
+            <a:endParaRPr lang="en-GB" sz="500">
               <a:cs typeface="Arial" pitchFamily="34" charset="0"/>
             </a:endParaRPr>
           </a:p>
@@ -1347,7 +1384,7 @@
               <a:pPr/>
               <a:t>1</a:t>
             </a:fld>
-            <a:endParaRPr lang="en-GB" sz="1200" smtClean="0">
+            <a:endParaRPr lang="en-GB" sz="1200">
               <a:cs typeface="Arial" pitchFamily="34" charset="0"/>
             </a:endParaRPr>
           </a:p>
@@ -1572,7 +1609,7 @@
             </a:lvl9pPr>
           </a:lstStyle>
           <a:p>
-            <a:endParaRPr lang="en-US" sz="1200" smtClean="0">
+            <a:endParaRPr lang="en-US" sz="1200">
               <a:cs typeface="Arial" pitchFamily="34" charset="0"/>
             </a:endParaRPr>
           </a:p>
@@ -1717,9 +1754,9 @@
                 <a:cs typeface="Arial" pitchFamily="34" charset="0"/>
               </a:rPr>
               <a:pPr/>
-              <a:t>10/01/2024 13:39</a:t>
+              <a:t>23/02/2024 04:09</a:t>
             </a:fld>
-            <a:endParaRPr lang="en-GB" sz="1200" smtClean="0">
+            <a:endParaRPr lang="en-GB" sz="1200">
               <a:cs typeface="Arial" pitchFamily="34" charset="0"/>
             </a:endParaRPr>
           </a:p>
@@ -1860,7 +1897,7 @@
           </a:lstStyle>
           <a:p>
             <a:r>
-              <a:rPr lang="en-US" sz="1200" smtClean="0">
+              <a:rPr lang="en-US" sz="1200">
                 <a:solidFill>
                   <a:srgbClr val="000000"/>
                 </a:solidFill>
@@ -1868,7 +1905,7 @@
               </a:rPr>
               <a:t>IEEE SOUTHEASTCON 2010, CHARLOTTE, NC</a:t>
             </a:r>
-            <a:endParaRPr lang="en-GB" sz="1200" smtClean="0">
+            <a:endParaRPr lang="en-GB" sz="1200">
               <a:cs typeface="Arial" pitchFamily="34" charset="0"/>
             </a:endParaRPr>
           </a:p>
@@ -2015,7 +2052,7 @@
               <a:pPr/>
               <a:t>10</a:t>
             </a:fld>
-            <a:endParaRPr lang="en-GB" sz="1200" smtClean="0">
+            <a:endParaRPr lang="en-GB" sz="1200">
               <a:cs typeface="Arial" pitchFamily="34" charset="0"/>
             </a:endParaRPr>
           </a:p>
@@ -2240,7 +2277,7 @@
             </a:lvl9pPr>
           </a:lstStyle>
           <a:p>
-            <a:endParaRPr lang="en-US" sz="1200" smtClean="0">
+            <a:endParaRPr lang="en-US" sz="1200">
               <a:cs typeface="Arial" pitchFamily="34" charset="0"/>
             </a:endParaRPr>
           </a:p>
@@ -2385,9 +2422,9 @@
                 <a:cs typeface="Arial" pitchFamily="34" charset="0"/>
               </a:rPr>
               <a:pPr/>
-              <a:t>10/01/2024 13:39</a:t>
+              <a:t>23/02/2024 04:09</a:t>
             </a:fld>
-            <a:endParaRPr lang="en-GB" sz="1200" smtClean="0">
+            <a:endParaRPr lang="en-GB" sz="1200">
               <a:cs typeface="Arial" pitchFamily="34" charset="0"/>
             </a:endParaRPr>
           </a:p>
@@ -2528,7 +2565,7 @@
           </a:lstStyle>
           <a:p>
             <a:r>
-              <a:rPr lang="en-US" sz="1200" smtClean="0">
+              <a:rPr lang="en-US" sz="1200">
                 <a:solidFill>
                   <a:srgbClr val="000000"/>
                 </a:solidFill>
@@ -2536,7 +2573,7 @@
               </a:rPr>
               <a:t>IEEE SOUTHEASTCON 2010, CHARLOTTE, NC</a:t>
             </a:r>
-            <a:endParaRPr lang="en-GB" sz="1200" smtClean="0">
+            <a:endParaRPr lang="en-GB" sz="1200">
               <a:cs typeface="Arial" pitchFamily="34" charset="0"/>
             </a:endParaRPr>
           </a:p>
@@ -2683,7 +2720,7 @@
               <a:pPr/>
               <a:t>11</a:t>
             </a:fld>
-            <a:endParaRPr lang="en-GB" sz="1200" smtClean="0">
+            <a:endParaRPr lang="en-GB" sz="1200">
               <a:cs typeface="Arial" pitchFamily="34" charset="0"/>
             </a:endParaRPr>
           </a:p>
@@ -2908,7 +2945,7 @@
             </a:lvl9pPr>
           </a:lstStyle>
           <a:p>
-            <a:endParaRPr lang="en-US" sz="1200" smtClean="0">
+            <a:endParaRPr lang="en-US" sz="1200">
               <a:cs typeface="Arial" pitchFamily="34" charset="0"/>
             </a:endParaRPr>
           </a:p>
@@ -3053,9 +3090,9 @@
                 <a:cs typeface="Arial" pitchFamily="34" charset="0"/>
               </a:rPr>
               <a:pPr/>
-              <a:t>10/01/2024 13:39</a:t>
+              <a:t>23/02/2024 04:09</a:t>
             </a:fld>
-            <a:endParaRPr lang="en-GB" sz="1200" smtClean="0">
+            <a:endParaRPr lang="en-GB" sz="1200">
               <a:cs typeface="Arial" pitchFamily="34" charset="0"/>
             </a:endParaRPr>
           </a:p>
@@ -3196,7 +3233,7 @@
           </a:lstStyle>
           <a:p>
             <a:r>
-              <a:rPr lang="en-US" sz="1200" smtClean="0">
+              <a:rPr lang="en-US" sz="1200">
                 <a:solidFill>
                   <a:srgbClr val="000000"/>
                 </a:solidFill>
@@ -3204,7 +3241,7 @@
               </a:rPr>
               <a:t>IEEE SOUTHEASTCON 2010, CHARLOTTE, NC</a:t>
             </a:r>
-            <a:endParaRPr lang="en-GB" sz="1200" smtClean="0">
+            <a:endParaRPr lang="en-GB" sz="1200">
               <a:cs typeface="Arial" pitchFamily="34" charset="0"/>
             </a:endParaRPr>
           </a:p>
@@ -3351,7 +3388,7 @@
               <a:pPr/>
               <a:t>12</a:t>
             </a:fld>
-            <a:endParaRPr lang="en-GB" sz="1200" smtClean="0">
+            <a:endParaRPr lang="en-GB" sz="1200">
               <a:cs typeface="Arial" pitchFamily="34" charset="0"/>
             </a:endParaRPr>
           </a:p>
@@ -3576,7 +3613,7 @@
             </a:lvl9pPr>
           </a:lstStyle>
           <a:p>
-            <a:endParaRPr lang="en-US" sz="1200" smtClean="0">
+            <a:endParaRPr lang="en-US" sz="1200">
               <a:cs typeface="Arial" pitchFamily="34" charset="0"/>
             </a:endParaRPr>
           </a:p>
@@ -3721,9 +3758,9 @@
                 <a:cs typeface="Arial" pitchFamily="34" charset="0"/>
               </a:rPr>
               <a:pPr/>
-              <a:t>10/01/2024 13:39</a:t>
+              <a:t>23/02/2024 04:09</a:t>
             </a:fld>
-            <a:endParaRPr lang="en-GB" sz="1200" smtClean="0">
+            <a:endParaRPr lang="en-GB" sz="1200">
               <a:cs typeface="Arial" pitchFamily="34" charset="0"/>
             </a:endParaRPr>
           </a:p>
@@ -3864,7 +3901,7 @@
           </a:lstStyle>
           <a:p>
             <a:r>
-              <a:rPr lang="en-US" sz="1200" smtClean="0">
+              <a:rPr lang="en-US" sz="1200">
                 <a:solidFill>
                   <a:srgbClr val="000000"/>
                 </a:solidFill>
@@ -3872,7 +3909,7 @@
               </a:rPr>
               <a:t>IEEE SOUTHEASTCON 2010, CHARLOTTE, NC</a:t>
             </a:r>
-            <a:endParaRPr lang="en-GB" sz="1200" smtClean="0">
+            <a:endParaRPr lang="en-GB" sz="1200">
               <a:cs typeface="Arial" pitchFamily="34" charset="0"/>
             </a:endParaRPr>
           </a:p>
@@ -4019,7 +4056,7 @@
               <a:pPr/>
               <a:t>2</a:t>
             </a:fld>
-            <a:endParaRPr lang="en-GB" sz="1200" smtClean="0">
+            <a:endParaRPr lang="en-GB" sz="1200">
               <a:cs typeface="Arial" pitchFamily="34" charset="0"/>
             </a:endParaRPr>
           </a:p>
@@ -4244,7 +4281,7 @@
             </a:lvl9pPr>
           </a:lstStyle>
           <a:p>
-            <a:endParaRPr lang="en-US" sz="1200" smtClean="0">
+            <a:endParaRPr lang="en-US" sz="1200">
               <a:cs typeface="Arial" pitchFamily="34" charset="0"/>
             </a:endParaRPr>
           </a:p>
@@ -4389,9 +4426,9 @@
                 <a:cs typeface="Arial" pitchFamily="34" charset="0"/>
               </a:rPr>
               <a:pPr/>
-              <a:t>10/01/2024 13:39</a:t>
+              <a:t>23/02/2024 04:09</a:t>
             </a:fld>
-            <a:endParaRPr lang="en-GB" sz="1200" smtClean="0">
+            <a:endParaRPr lang="en-GB" sz="1200">
               <a:cs typeface="Arial" pitchFamily="34" charset="0"/>
             </a:endParaRPr>
           </a:p>
@@ -4532,7 +4569,7 @@
           </a:lstStyle>
           <a:p>
             <a:r>
-              <a:rPr lang="en-US" sz="1200" smtClean="0">
+              <a:rPr lang="en-US" sz="1200">
                 <a:solidFill>
                   <a:srgbClr val="000000"/>
                 </a:solidFill>
@@ -4540,7 +4577,7 @@
               </a:rPr>
               <a:t>IEEE SOUTHEASTCON 2010, CHARLOTTE, NC</a:t>
             </a:r>
-            <a:endParaRPr lang="en-GB" sz="1200" smtClean="0">
+            <a:endParaRPr lang="en-GB" sz="1200">
               <a:cs typeface="Arial" pitchFamily="34" charset="0"/>
             </a:endParaRPr>
           </a:p>
@@ -4687,7 +4724,7 @@
               <a:pPr/>
               <a:t>3</a:t>
             </a:fld>
-            <a:endParaRPr lang="en-GB" sz="1200" smtClean="0">
+            <a:endParaRPr lang="en-GB" sz="1200">
               <a:cs typeface="Arial" pitchFamily="34" charset="0"/>
             </a:endParaRPr>
           </a:p>
@@ -4912,7 +4949,7 @@
             </a:lvl9pPr>
           </a:lstStyle>
           <a:p>
-            <a:endParaRPr lang="en-US" sz="1200" smtClean="0">
+            <a:endParaRPr lang="en-US" sz="1200">
               <a:cs typeface="Arial" pitchFamily="34" charset="0"/>
             </a:endParaRPr>
           </a:p>
@@ -5057,9 +5094,9 @@
                 <a:cs typeface="Arial" pitchFamily="34" charset="0"/>
               </a:rPr>
               <a:pPr/>
-              <a:t>10/01/2024 13:39</a:t>
+              <a:t>23/02/2024 04:09</a:t>
             </a:fld>
-            <a:endParaRPr lang="en-GB" sz="1200" smtClean="0">
+            <a:endParaRPr lang="en-GB" sz="1200">
               <a:cs typeface="Arial" pitchFamily="34" charset="0"/>
             </a:endParaRPr>
           </a:p>
@@ -5200,7 +5237,7 @@
           </a:lstStyle>
           <a:p>
             <a:r>
-              <a:rPr lang="en-US" sz="1200" smtClean="0">
+              <a:rPr lang="en-US" sz="1200">
                 <a:solidFill>
                   <a:srgbClr val="000000"/>
                 </a:solidFill>
@@ -5208,7 +5245,7 @@
               </a:rPr>
               <a:t>IEEE SOUTHEASTCON 2010, CHARLOTTE, NC</a:t>
             </a:r>
-            <a:endParaRPr lang="en-GB" sz="1200" smtClean="0">
+            <a:endParaRPr lang="en-GB" sz="1200">
               <a:cs typeface="Arial" pitchFamily="34" charset="0"/>
             </a:endParaRPr>
           </a:p>
@@ -5355,7 +5392,7 @@
               <a:pPr/>
               <a:t>4</a:t>
             </a:fld>
-            <a:endParaRPr lang="en-GB" sz="1200" smtClean="0">
+            <a:endParaRPr lang="en-GB" sz="1200">
               <a:cs typeface="Arial" pitchFamily="34" charset="0"/>
             </a:endParaRPr>
           </a:p>
@@ -5580,7 +5617,7 @@
             </a:lvl9pPr>
           </a:lstStyle>
           <a:p>
-            <a:endParaRPr lang="en-US" sz="1200" smtClean="0">
+            <a:endParaRPr lang="en-US" sz="1200">
               <a:cs typeface="Arial" pitchFamily="34" charset="0"/>
             </a:endParaRPr>
           </a:p>
@@ -5725,9 +5762,9 @@
                 <a:cs typeface="Arial" pitchFamily="34" charset="0"/>
               </a:rPr>
               <a:pPr/>
-              <a:t>10/01/2024 13:39</a:t>
+              <a:t>23/02/2024 04:09</a:t>
             </a:fld>
-            <a:endParaRPr lang="en-GB" sz="1200" smtClean="0">
+            <a:endParaRPr lang="en-GB" sz="1200">
               <a:cs typeface="Arial" pitchFamily="34" charset="0"/>
             </a:endParaRPr>
           </a:p>
@@ -5868,7 +5905,7 @@
           </a:lstStyle>
           <a:p>
             <a:r>
-              <a:rPr lang="en-US" sz="1200" smtClean="0">
+              <a:rPr lang="en-US" sz="1200">
                 <a:solidFill>
                   <a:srgbClr val="000000"/>
                 </a:solidFill>
@@ -5876,7 +5913,7 @@
               </a:rPr>
               <a:t>IEEE SOUTHEASTCON 2010, CHARLOTTE, NC</a:t>
             </a:r>
-            <a:endParaRPr lang="en-GB" sz="1200" smtClean="0">
+            <a:endParaRPr lang="en-GB" sz="1200">
               <a:cs typeface="Arial" pitchFamily="34" charset="0"/>
             </a:endParaRPr>
           </a:p>
@@ -6023,7 +6060,7 @@
               <a:pPr/>
               <a:t>5</a:t>
             </a:fld>
-            <a:endParaRPr lang="en-GB" sz="1200" smtClean="0">
+            <a:endParaRPr lang="en-GB" sz="1200">
               <a:cs typeface="Arial" pitchFamily="34" charset="0"/>
             </a:endParaRPr>
           </a:p>
@@ -6248,7 +6285,7 @@
             </a:lvl9pPr>
           </a:lstStyle>
           <a:p>
-            <a:endParaRPr lang="en-US" sz="1200" smtClean="0">
+            <a:endParaRPr lang="en-US" sz="1200">
               <a:cs typeface="Arial" pitchFamily="34" charset="0"/>
             </a:endParaRPr>
           </a:p>
@@ -6393,9 +6430,9 @@
                 <a:cs typeface="Arial" pitchFamily="34" charset="0"/>
               </a:rPr>
               <a:pPr/>
-              <a:t>10/01/2024 13:39</a:t>
+              <a:t>23/02/2024 04:09</a:t>
             </a:fld>
-            <a:endParaRPr lang="en-GB" sz="1200" smtClean="0">
+            <a:endParaRPr lang="en-GB" sz="1200">
               <a:cs typeface="Arial" pitchFamily="34" charset="0"/>
             </a:endParaRPr>
           </a:p>
@@ -6536,7 +6573,7 @@
           </a:lstStyle>
           <a:p>
             <a:r>
-              <a:rPr lang="en-US" sz="1200" smtClean="0">
+              <a:rPr lang="en-US" sz="1200">
                 <a:solidFill>
                   <a:srgbClr val="000000"/>
                 </a:solidFill>
@@ -6544,7 +6581,7 @@
               </a:rPr>
               <a:t>IEEE SOUTHEASTCON 2010, CHARLOTTE, NC</a:t>
             </a:r>
-            <a:endParaRPr lang="en-GB" sz="1200" smtClean="0">
+            <a:endParaRPr lang="en-GB" sz="1200">
               <a:cs typeface="Arial" pitchFamily="34" charset="0"/>
             </a:endParaRPr>
           </a:p>
@@ -6691,7 +6728,7 @@
               <a:pPr/>
               <a:t>6</a:t>
             </a:fld>
-            <a:endParaRPr lang="en-GB" sz="1200" smtClean="0">
+            <a:endParaRPr lang="en-GB" sz="1200">
               <a:cs typeface="Arial" pitchFamily="34" charset="0"/>
             </a:endParaRPr>
           </a:p>
@@ -6916,7 +6953,7 @@
             </a:lvl9pPr>
           </a:lstStyle>
           <a:p>
-            <a:endParaRPr lang="en-US" sz="1200" smtClean="0">
+            <a:endParaRPr lang="en-US" sz="1200">
               <a:cs typeface="Arial" pitchFamily="34" charset="0"/>
             </a:endParaRPr>
           </a:p>
@@ -7061,9 +7098,9 @@
                 <a:cs typeface="Arial" pitchFamily="34" charset="0"/>
               </a:rPr>
               <a:pPr/>
-              <a:t>10/01/2024 13:39</a:t>
+              <a:t>23/02/2024 04:09</a:t>
             </a:fld>
-            <a:endParaRPr lang="en-GB" sz="1200" smtClean="0">
+            <a:endParaRPr lang="en-GB" sz="1200">
               <a:cs typeface="Arial" pitchFamily="34" charset="0"/>
             </a:endParaRPr>
           </a:p>
@@ -7204,7 +7241,7 @@
           </a:lstStyle>
           <a:p>
             <a:r>
-              <a:rPr lang="en-US" sz="1200" smtClean="0">
+              <a:rPr lang="en-US" sz="1200">
                 <a:solidFill>
                   <a:srgbClr val="000000"/>
                 </a:solidFill>
@@ -7212,7 +7249,7 @@
               </a:rPr>
               <a:t>IEEE SOUTHEASTCON 2010, CHARLOTTE, NC</a:t>
             </a:r>
-            <a:endParaRPr lang="en-GB" sz="1200" smtClean="0">
+            <a:endParaRPr lang="en-GB" sz="1200">
               <a:cs typeface="Arial" pitchFamily="34" charset="0"/>
             </a:endParaRPr>
           </a:p>
@@ -7359,7 +7396,7 @@
               <a:pPr/>
               <a:t>7</a:t>
             </a:fld>
-            <a:endParaRPr lang="en-GB" sz="1200" smtClean="0">
+            <a:endParaRPr lang="en-GB" sz="1200">
               <a:cs typeface="Arial" pitchFamily="34" charset="0"/>
             </a:endParaRPr>
           </a:p>
@@ -7584,7 +7621,7 @@
             </a:lvl9pPr>
           </a:lstStyle>
           <a:p>
-            <a:endParaRPr lang="en-US" sz="1200" smtClean="0">
+            <a:endParaRPr lang="en-US" sz="1200">
               <a:cs typeface="Arial" pitchFamily="34" charset="0"/>
             </a:endParaRPr>
           </a:p>
@@ -7729,9 +7766,9 @@
                 <a:cs typeface="Arial" pitchFamily="34" charset="0"/>
               </a:rPr>
               <a:pPr/>
-              <a:t>10/01/2024 13:39</a:t>
+              <a:t>23/02/2024 04:09</a:t>
             </a:fld>
-            <a:endParaRPr lang="en-GB" sz="1200" smtClean="0">
+            <a:endParaRPr lang="en-GB" sz="1200">
               <a:cs typeface="Arial" pitchFamily="34" charset="0"/>
             </a:endParaRPr>
           </a:p>
@@ -7872,7 +7909,7 @@
           </a:lstStyle>
           <a:p>
             <a:r>
-              <a:rPr lang="en-US" sz="1200" smtClean="0">
+              <a:rPr lang="en-US" sz="1200">
                 <a:solidFill>
                   <a:srgbClr val="000000"/>
                 </a:solidFill>
@@ -7880,7 +7917,7 @@
               </a:rPr>
               <a:t>IEEE SOUTHEASTCON 2010, CHARLOTTE, NC</a:t>
             </a:r>
-            <a:endParaRPr lang="en-GB" sz="1200" smtClean="0">
+            <a:endParaRPr lang="en-GB" sz="1200">
               <a:cs typeface="Arial" pitchFamily="34" charset="0"/>
             </a:endParaRPr>
           </a:p>
@@ -8027,7 +8064,7 @@
               <a:pPr/>
               <a:t>8</a:t>
             </a:fld>
-            <a:endParaRPr lang="en-GB" sz="1200" smtClean="0">
+            <a:endParaRPr lang="en-GB" sz="1200">
               <a:cs typeface="Arial" pitchFamily="34" charset="0"/>
             </a:endParaRPr>
           </a:p>
@@ -8252,7 +8289,7 @@
             </a:lvl9pPr>
           </a:lstStyle>
           <a:p>
-            <a:endParaRPr lang="en-US" sz="1200" smtClean="0">
+            <a:endParaRPr lang="en-US" sz="1200">
               <a:cs typeface="Arial" pitchFamily="34" charset="0"/>
             </a:endParaRPr>
           </a:p>
@@ -8397,9 +8434,9 @@
                 <a:cs typeface="Arial" pitchFamily="34" charset="0"/>
               </a:rPr>
               <a:pPr/>
-              <a:t>10/01/2024 13:39</a:t>
+              <a:t>23/02/2024 04:09</a:t>
             </a:fld>
-            <a:endParaRPr lang="en-GB" sz="1200" smtClean="0">
+            <a:endParaRPr lang="en-GB" sz="1200">
               <a:cs typeface="Arial" pitchFamily="34" charset="0"/>
             </a:endParaRPr>
           </a:p>
@@ -8540,7 +8577,7 @@
           </a:lstStyle>
           <a:p>
             <a:r>
-              <a:rPr lang="en-US" sz="1200" smtClean="0">
+              <a:rPr lang="en-US" sz="1200">
                 <a:solidFill>
                   <a:srgbClr val="000000"/>
                 </a:solidFill>
@@ -8548,7 +8585,7 @@
               </a:rPr>
               <a:t>IEEE SOUTHEASTCON 2010, CHARLOTTE, NC</a:t>
             </a:r>
-            <a:endParaRPr lang="en-GB" sz="1200" smtClean="0">
+            <a:endParaRPr lang="en-GB" sz="1200">
               <a:cs typeface="Arial" pitchFamily="34" charset="0"/>
             </a:endParaRPr>
           </a:p>
@@ -8695,7 +8732,7 @@
               <a:pPr/>
               <a:t>9</a:t>
             </a:fld>
-            <a:endParaRPr lang="en-GB" sz="1200" smtClean="0">
+            <a:endParaRPr lang="en-GB" sz="1200">
               <a:cs typeface="Arial" pitchFamily="34" charset="0"/>
             </a:endParaRPr>
           </a:p>
@@ -8859,7 +8896,7 @@
             <a:fld id="{9C4E2C89-3D21-5645-8D07-A6E26F08B175}" type="datetimeFigureOut">
               <a:rPr lang="en-US" smtClean="0"/>
               <a:pPr/>
-              <a:t>1/10/2024</a:t>
+              <a:t>2/23/2024</a:t>
             </a:fld>
             <a:endParaRPr lang="en-US" dirty="0"/>
           </a:p>
@@ -9045,7 +9082,7 @@
             <a:fld id="{9C4E2C89-3D21-5645-8D07-A6E26F08B175}" type="datetimeFigureOut">
               <a:rPr lang="en-US" smtClean="0"/>
               <a:pPr/>
-              <a:t>1/10/2024</a:t>
+              <a:t>2/23/2024</a:t>
             </a:fld>
             <a:endParaRPr lang="en-US" dirty="0"/>
           </a:p>
@@ -9227,7 +9264,7 @@
             <a:fld id="{9C4E2C89-3D21-5645-8D07-A6E26F08B175}" type="datetimeFigureOut">
               <a:rPr lang="en-US" smtClean="0"/>
               <a:pPr/>
-              <a:t>1/10/2024</a:t>
+              <a:t>2/23/2024</a:t>
             </a:fld>
             <a:endParaRPr lang="en-US" dirty="0"/>
           </a:p>
@@ -9672,7 +9709,7 @@
             <a:fld id="{9C4E2C89-3D21-5645-8D07-A6E26F08B175}" type="datetimeFigureOut">
               <a:rPr lang="en-US" smtClean="0"/>
               <a:pPr/>
-              <a:t>1/10/2024</a:t>
+              <a:t>2/23/2024</a:t>
             </a:fld>
             <a:endParaRPr lang="en-US" dirty="0"/>
           </a:p>
@@ -9967,7 +10004,7 @@
             <a:fld id="{9C4E2C89-3D21-5645-8D07-A6E26F08B175}" type="datetimeFigureOut">
               <a:rPr lang="en-US" smtClean="0"/>
               <a:pPr/>
-              <a:t>1/10/2024</a:t>
+              <a:t>2/23/2024</a:t>
             </a:fld>
             <a:endParaRPr lang="en-US" dirty="0"/>
           </a:p>
@@ -10275,7 +10312,7 @@
             <a:fld id="{9C4E2C89-3D21-5645-8D07-A6E26F08B175}" type="datetimeFigureOut">
               <a:rPr lang="en-US" smtClean="0"/>
               <a:pPr/>
-              <a:t>1/10/2024</a:t>
+              <a:t>2/23/2024</a:t>
             </a:fld>
             <a:endParaRPr lang="en-US" dirty="0"/>
           </a:p>
@@ -10693,7 +10730,7 @@
             <a:fld id="{9C4E2C89-3D21-5645-8D07-A6E26F08B175}" type="datetimeFigureOut">
               <a:rPr lang="en-US" smtClean="0"/>
               <a:pPr/>
-              <a:t>1/10/2024</a:t>
+              <a:t>2/23/2024</a:t>
             </a:fld>
             <a:endParaRPr lang="en-US" dirty="0"/>
           </a:p>
@@ -10813,7 +10850,7 @@
             <a:fld id="{9C4E2C89-3D21-5645-8D07-A6E26F08B175}" type="datetimeFigureOut">
               <a:rPr lang="en-US" smtClean="0"/>
               <a:pPr/>
-              <a:t>1/10/2024</a:t>
+              <a:t>2/23/2024</a:t>
             </a:fld>
             <a:endParaRPr lang="en-US" dirty="0"/>
           </a:p>
@@ -10910,7 +10947,7 @@
             <a:fld id="{9C4E2C89-3D21-5645-8D07-A6E26F08B175}" type="datetimeFigureOut">
               <a:rPr lang="en-US" smtClean="0"/>
               <a:pPr/>
-              <a:t>1/10/2024</a:t>
+              <a:t>2/23/2024</a:t>
             </a:fld>
             <a:endParaRPr lang="en-US" dirty="0"/>
           </a:p>
@@ -11189,7 +11226,7 @@
             <a:fld id="{9C4E2C89-3D21-5645-8D07-A6E26F08B175}" type="datetimeFigureOut">
               <a:rPr lang="en-US" smtClean="0"/>
               <a:pPr/>
-              <a:t>1/10/2024</a:t>
+              <a:t>2/23/2024</a:t>
             </a:fld>
             <a:endParaRPr lang="en-US" dirty="0"/>
           </a:p>
@@ -11448,7 +11485,7 @@
             <a:fld id="{9C4E2C89-3D21-5645-8D07-A6E26F08B175}" type="datetimeFigureOut">
               <a:rPr lang="en-US" smtClean="0"/>
               <a:pPr/>
-              <a:t>1/10/2024</a:t>
+              <a:t>2/23/2024</a:t>
             </a:fld>
             <a:endParaRPr lang="en-US" dirty="0"/>
           </a:p>
@@ -11663,7 +11700,7 @@
             <a:fld id="{9C4E2C89-3D21-5645-8D07-A6E26F08B175}" type="datetimeFigureOut">
               <a:rPr lang="en-US" smtClean="0"/>
               <a:pPr/>
-              <a:t>1/10/2024</a:t>
+              <a:t>2/23/2024</a:t>
             </a:fld>
             <a:endParaRPr lang="en-US" dirty="0"/>
           </a:p>
@@ -12093,37 +12130,25 @@
           <a:lstStyle/>
           <a:p>
             <a:pPr algn="ctr"/>
-            <a:r>
-              <a:rPr lang="en-US" sz="3200" dirty="0" smtClean="0"/>
-              <a:t/>
-            </a:r>
             <a:br>
-              <a:rPr lang="en-US" sz="3200" dirty="0" smtClean="0"/>
+              <a:rPr lang="en-US" sz="3200" dirty="0"/>
             </a:br>
             <a:r>
-              <a:rPr lang="en-US" sz="3200" dirty="0" smtClean="0"/>
+              <a:rPr lang="en-US" sz="3200" dirty="0"/>
               <a:t>Computer </a:t>
             </a:r>
             <a:r>
-              <a:rPr lang="en-US" sz="3200" smtClean="0"/>
+              <a:rPr lang="en-US" sz="3200"/>
               <a:t>Networks </a:t>
             </a:r>
-            <a:r>
-              <a:rPr lang="en-US" sz="3200" dirty="0" smtClean="0"/>
-              <a:t/>
-            </a:r>
             <a:br>
-              <a:rPr lang="en-US" sz="3200" dirty="0" smtClean="0"/>
+              <a:rPr lang="en-US" sz="3200" dirty="0"/>
+            </a:br>
+            <a:br>
+              <a:rPr lang="en-US" sz="3200" dirty="0"/>
             </a:br>
             <a:r>
-              <a:rPr lang="en-US" sz="3200" dirty="0" smtClean="0"/>
-              <a:t/>
-            </a:r>
-            <a:br>
-              <a:rPr lang="en-US" sz="3200" dirty="0" smtClean="0"/>
-            </a:br>
-            <a:r>
-              <a:rPr lang="en-US" sz="3200" dirty="0" smtClean="0"/>
+              <a:rPr lang="en-US" sz="3200" dirty="0"/>
               <a:t>Transmission Media (Unguided) and Antennas</a:t>
             </a:r>
           </a:p>
@@ -12423,14 +12448,14 @@
           <a:p>
             <a:pPr eaLnBrk="1" hangingPunct="1"/>
             <a:r>
-              <a:rPr lang="en-US" sz="2000" kern="0" dirty="0" err="1" smtClean="0">
+              <a:rPr lang="en-US" sz="2000" kern="0" dirty="0" err="1">
                 <a:latin typeface="Avenir Book" panose="020B0503020203020204" pitchFamily="34" charset="-78"/>
                 <a:cs typeface="Avenir Book" panose="020B0503020203020204" pitchFamily="34" charset="-78"/>
               </a:rPr>
               <a:t>Amitangshu</a:t>
             </a:r>
             <a:r>
-              <a:rPr lang="en-US" sz="2000" kern="0" dirty="0" smtClean="0">
+              <a:rPr lang="en-US" sz="2000" kern="0" dirty="0">
                 <a:latin typeface="Avenir Book" panose="020B0503020203020204" pitchFamily="34" charset="-78"/>
                 <a:cs typeface="Avenir Book" panose="020B0503020203020204" pitchFamily="34" charset="-78"/>
               </a:rPr>
@@ -12440,7 +12465,7 @@
           <a:p>
             <a:pPr eaLnBrk="1" hangingPunct="1"/>
             <a:r>
-              <a:rPr lang="en-US" sz="2000" kern="0" dirty="0" smtClean="0">
+              <a:rPr lang="en-US" sz="2000" kern="0" dirty="0">
                 <a:latin typeface="Avenir Book" panose="020B0503020203020204" pitchFamily="34" charset="-78"/>
                 <a:cs typeface="Avenir Book" panose="020B0503020203020204" pitchFamily="34" charset="-78"/>
               </a:rPr>
@@ -12450,7 +12475,7 @@
           <a:p>
             <a:pPr eaLnBrk="1" hangingPunct="1"/>
             <a:r>
-              <a:rPr lang="en-US" sz="2000" kern="0" dirty="0" smtClean="0">
+              <a:rPr lang="en-US" sz="2000" kern="0" dirty="0">
                 <a:latin typeface="Avenir Book" panose="020B0503020203020204" pitchFamily="34" charset="-78"/>
                 <a:cs typeface="Avenir Book" panose="020B0503020203020204" pitchFamily="34" charset="-78"/>
               </a:rPr>
@@ -12469,21 +12494,6 @@
   <p:clrMapOvr>
     <a:masterClrMapping/>
   </p:clrMapOvr>
-  <mc:AlternateContent xmlns:mc="http://schemas.openxmlformats.org/markup-compatibility/2006" xmlns:p14="http://schemas.microsoft.com/office/powerpoint/2010/main">
-    <mc:Choice Requires="p14">
-      <p:transition spd="slow" p14:dur="2000"/>
-    </mc:Choice>
-    <mc:Fallback xmlns="">
-      <p:transition spd="slow"/>
-    </mc:Fallback>
-  </mc:AlternateContent>
-  <p:timing>
-    <p:tnLst>
-      <p:par>
-        <p:cTn id="1" dur="indefinite" restart="never" nodeType="tmRoot"/>
-      </p:par>
-    </p:tnLst>
-  </p:timing>
 </p:sld>
 </file>
 
@@ -12526,7 +12536,7 @@
           <a:p>
             <a:pPr algn="ctr" defTabSz="912813" eaLnBrk="1" hangingPunct="1"/>
             <a:r>
-              <a:rPr lang="en-US" dirty="0" smtClean="0"/>
+              <a:rPr lang="en-US" dirty="0"/>
               <a:t>Free Space Path Loss</a:t>
             </a:r>
           </a:p>
@@ -12559,7 +12569,7 @@
                   <a:buChar char="q"/>
                 </a:pPr>
                 <a:r>
-                  <a:rPr lang="en-US" sz="2000" dirty="0" smtClean="0">
+                  <a:rPr lang="en-US" sz="2000" dirty="0">
                     <a:solidFill>
                       <a:srgbClr val="0000FF"/>
                     </a:solidFill>
@@ -12583,7 +12593,7 @@
                   <a:buFont typeface="Wingdings" pitchFamily="2" charset="2"/>
                   <a:buChar char="q"/>
                 </a:pPr>
-                <a:endParaRPr lang="en-US" sz="2000" dirty="0" smtClean="0">
+                <a:endParaRPr lang="en-US" sz="2000" dirty="0">
                   <a:solidFill>
                     <a:srgbClr val="0070C0"/>
                   </a:solidFill>
@@ -12646,7 +12656,7 @@
                   </m:oMath>
                 </a14:m>
                 <a:r>
-                  <a:rPr lang="en-US" sz="2400" dirty="0" smtClean="0">
+                  <a:rPr lang="en-US" sz="2400" dirty="0">
                     <a:sym typeface="Wingdings" charset="0"/>
                   </a:rPr>
                   <a:t>: Transmit antenna gain</a:t>
@@ -12698,7 +12708,7 @@
                   </m:oMath>
                 </a14:m>
                 <a:r>
-                  <a:rPr lang="en-US" sz="2400" dirty="0" smtClean="0">
+                  <a:rPr lang="en-US" sz="2400" dirty="0">
                     <a:sym typeface="Wingdings" charset="0"/>
                   </a:rPr>
                   <a:t>: Receiver antenna gain</a:t>
@@ -12707,49 +12717,19 @@
               <a:p>
                 <a:pPr lvl="1"/>
                 <a:r>
-                  <a:rPr lang="en-US" sz="2000" dirty="0" smtClean="0">
-                    <a:sym typeface="Wingdings" charset="0"/>
-                  </a:rPr>
-                  <a:t>Receiver </a:t>
-                </a:r>
-                <a:r>
                   <a:rPr lang="en-US" sz="2000" dirty="0">
                     <a:sym typeface="Wingdings" charset="0"/>
                   </a:rPr>
-                  <a:t>antenna provides an aperture with an effective area for </a:t>
-                </a:r>
-                <a:r>
-                  <a:rPr lang="en-US" sz="2000" dirty="0" smtClean="0">
-                    <a:sym typeface="Wingdings" charset="0"/>
-                  </a:rPr>
-                  <a:t>receiving </a:t>
-                </a:r>
-                <a:r>
-                  <a:rPr lang="en-US" sz="2000" dirty="0">
-                    <a:sym typeface="Wingdings" charset="0"/>
-                  </a:rPr>
-                  <a:t>a fraction of </a:t>
-                </a:r>
-                <a:r>
-                  <a:rPr lang="en-US" sz="2000" dirty="0" smtClean="0">
-                    <a:sym typeface="Wingdings" charset="0"/>
-                  </a:rPr>
-                  <a:t>the transmitted </a:t>
-                </a:r>
-                <a:r>
-                  <a:rPr lang="en-US" sz="2000" dirty="0">
-                    <a:sym typeface="Wingdings" charset="0"/>
-                  </a:rPr>
-                  <a:t>power</a:t>
+                  <a:t>Receiver antenna provides an aperture with an effective area for receiving a fraction of the transmitted power</a:t>
                 </a:r>
               </a:p>
               <a:p>
                 <a:pPr lvl="1" algn="just" eaLnBrk="1" hangingPunct="1"/>
-                <a:endParaRPr lang="en-US" sz="2000" dirty="0" smtClean="0"/>
+                <a:endParaRPr lang="en-US" sz="2000" dirty="0"/>
               </a:p>
               <a:p>
                 <a:pPr lvl="1" algn="just" eaLnBrk="1" hangingPunct="1"/>
-                <a:endParaRPr lang="en-US" sz="2000" dirty="0" smtClean="0"/>
+                <a:endParaRPr lang="en-US" sz="2000" dirty="0"/>
               </a:p>
               <a:p>
                 <a:pPr algn="just" eaLnBrk="1" hangingPunct="1">
@@ -13424,13 +13404,6 @@
   <p:transition>
     <p:fade/>
   </p:transition>
-  <p:timing>
-    <p:tnLst>
-      <p:par>
-        <p:cTn id="1" dur="indefinite" restart="never" nodeType="tmRoot"/>
-      </p:par>
-    </p:tnLst>
-  </p:timing>
 </p:sld>
 </file>
 
@@ -13473,7 +13446,7 @@
           <a:p>
             <a:pPr algn="ctr" defTabSz="912813" eaLnBrk="1" hangingPunct="1"/>
             <a:r>
-              <a:rPr lang="en-US" dirty="0" smtClean="0"/>
+              <a:rPr lang="en-US" dirty="0"/>
               <a:t>Free Space Path Loss</a:t>
             </a:r>
           </a:p>
@@ -13504,7 +13477,7 @@
               <a:buChar char="q"/>
             </a:pPr>
             <a:r>
-              <a:rPr lang="en-US" sz="2000" dirty="0" smtClean="0">
+              <a:rPr lang="en-US" sz="2000" dirty="0">
                 <a:solidFill>
                   <a:srgbClr val="0070C0"/>
                 </a:solidFill>
@@ -13512,7 +13485,7 @@
               <a:t>Assume that a ground station is transmitting a signal of 250 W to a satellite at 4 GHz (earth to satellite distance is 35863 km). The antenna gains are 44 dB and 48 </a:t>
             </a:r>
             <a:r>
-              <a:rPr lang="en-US" sz="2000" dirty="0" err="1" smtClean="0">
+              <a:rPr lang="en-US" sz="2000" dirty="0" err="1">
                 <a:solidFill>
                   <a:srgbClr val="0070C0"/>
                 </a:solidFill>
@@ -13520,7 +13493,7 @@
               <a:t>dB.</a:t>
             </a:r>
             <a:r>
-              <a:rPr lang="en-US" sz="2000" dirty="0" smtClean="0">
+              <a:rPr lang="en-US" sz="2000" dirty="0">
                 <a:solidFill>
                   <a:srgbClr val="0070C0"/>
                 </a:solidFill>
@@ -13530,11 +13503,11 @@
           </a:p>
           <a:p>
             <a:pPr lvl="1" algn="just" eaLnBrk="1" hangingPunct="1"/>
-            <a:endParaRPr lang="en-US" sz="2000" dirty="0" smtClean="0"/>
+            <a:endParaRPr lang="en-US" sz="2000" dirty="0"/>
           </a:p>
           <a:p>
             <a:pPr lvl="1" algn="just" eaLnBrk="1" hangingPunct="1"/>
-            <a:endParaRPr lang="en-US" sz="2000" dirty="0" smtClean="0"/>
+            <a:endParaRPr lang="en-US" sz="2000" dirty="0"/>
           </a:p>
           <a:p>
             <a:pPr algn="just" eaLnBrk="1" hangingPunct="1">
@@ -14170,13 +14143,6 @@
   <p:transition>
     <p:fade/>
   </p:transition>
-  <p:timing>
-    <p:tnLst>
-      <p:par>
-        <p:cTn id="1" dur="indefinite" restart="never" nodeType="tmRoot"/>
-      </p:par>
-    </p:tnLst>
-  </p:timing>
 </p:sld>
 </file>
 
@@ -14219,7 +14185,7 @@
           <a:p>
             <a:pPr defTabSz="912813" eaLnBrk="1" hangingPunct="1"/>
             <a:r>
-              <a:rPr lang="en-US" dirty="0" smtClean="0"/>
+              <a:rPr lang="en-US" dirty="0"/>
               <a:t>Summary</a:t>
             </a:r>
           </a:p>
@@ -14250,7 +14216,7 @@
               <a:buChar char="q"/>
             </a:pPr>
             <a:r>
-              <a:rPr lang="en-US" sz="2400" dirty="0" smtClean="0">
+              <a:rPr lang="en-US" sz="2400" dirty="0">
                 <a:solidFill>
                   <a:srgbClr val="0070C0"/>
                 </a:solidFill>
@@ -14261,21 +14227,21 @@
           <a:p>
             <a:pPr lvl="1" eaLnBrk="1" hangingPunct="1"/>
             <a:r>
-              <a:rPr lang="en-US" sz="2000" dirty="0" smtClean="0"/>
+              <a:rPr lang="en-US" sz="2000" dirty="0"/>
               <a:t>Isotropic, omnidirectional and directional antenna</a:t>
             </a:r>
           </a:p>
           <a:p>
             <a:pPr lvl="1" eaLnBrk="1" hangingPunct="1"/>
             <a:r>
-              <a:rPr lang="en-US" sz="2000" dirty="0" smtClean="0"/>
+              <a:rPr lang="en-US" sz="2000" dirty="0"/>
               <a:t>Free space path loss</a:t>
             </a:r>
           </a:p>
           <a:p>
             <a:pPr lvl="1" eaLnBrk="1" hangingPunct="1"/>
             <a:r>
-              <a:rPr lang="en-US" sz="2000" dirty="0" smtClean="0"/>
+              <a:rPr lang="en-US" sz="2000" dirty="0"/>
               <a:t>Antenna gain</a:t>
             </a:r>
           </a:p>
@@ -14826,7 +14792,7 @@
           <a:p>
             <a:pPr algn="ctr" defTabSz="912813" eaLnBrk="1" hangingPunct="1"/>
             <a:r>
-              <a:rPr lang="en-US" dirty="0" smtClean="0"/>
+              <a:rPr lang="en-US" dirty="0"/>
               <a:t>Antennas</a:t>
             </a:r>
           </a:p>
@@ -14857,16 +14823,8 @@
               <a:buChar char="q"/>
             </a:pPr>
             <a:r>
-              <a:rPr lang="en-US" sz="2000" dirty="0" smtClean="0"/>
-              <a:t>Electrical conductors used </a:t>
-            </a:r>
-            <a:r>
               <a:rPr lang="en-US" sz="2000" dirty="0"/>
-              <a:t>to radiate </a:t>
-            </a:r>
-            <a:r>
-              <a:rPr lang="en-US" sz="2000" dirty="0" smtClean="0"/>
-              <a:t>or collect electromagnetic energy</a:t>
+              <a:t>Electrical conductors used to radiate or collect electromagnetic energy</a:t>
             </a:r>
           </a:p>
           <a:p>
@@ -14882,7 +14840,7 @@
               <a:buChar char="q"/>
             </a:pPr>
             <a:r>
-              <a:rPr lang="en-US" sz="2000" dirty="0" smtClean="0">
+              <a:rPr lang="en-US" sz="2000" dirty="0">
                 <a:solidFill>
                   <a:srgbClr val="0070C0"/>
                 </a:solidFill>
@@ -14890,19 +14848,11 @@
               <a:t>Transmission antenna:</a:t>
             </a:r>
             <a:r>
-              <a:rPr lang="en-US" sz="2000" dirty="0" smtClean="0"/>
-              <a:t> </a:t>
+              <a:rPr lang="en-US" sz="2000" dirty="0"/>
+              <a:t> Electrical energy </a:t>
             </a:r>
             <a:r>
-              <a:rPr lang="en-US" sz="2000" dirty="0"/>
-              <a:t>E</a:t>
-            </a:r>
-            <a:r>
-              <a:rPr lang="en-US" sz="2000" dirty="0" smtClean="0"/>
-              <a:t>lectrical energy </a:t>
-            </a:r>
-            <a:r>
-              <a:rPr lang="en-US" sz="2000" dirty="0" smtClean="0">
+              <a:rPr lang="en-US" sz="2000" dirty="0">
                 <a:sym typeface="Wingdings" panose="05000000000000000000" pitchFamily="2" charset="2"/>
               </a:rPr>
               <a:t> converted to electromagnetic energy  radiated into the surrounding</a:t>
@@ -14923,7 +14873,7 @@
               <a:buChar char="q"/>
             </a:pPr>
             <a:r>
-              <a:rPr lang="en-US" sz="2000" dirty="0" smtClean="0">
+              <a:rPr lang="en-US" sz="2000" dirty="0">
                 <a:solidFill>
                   <a:srgbClr val="0070C0"/>
                 </a:solidFill>
@@ -14932,7 +14882,7 @@
               <a:t>Reception antenna: </a:t>
             </a:r>
             <a:r>
-              <a:rPr lang="en-US" sz="2000" dirty="0" smtClean="0">
+              <a:rPr lang="en-US" sz="2000" dirty="0">
                 <a:sym typeface="Wingdings" panose="05000000000000000000" pitchFamily="2" charset="2"/>
               </a:rPr>
               <a:t>Electromagnetic energy  converted to electrical energy  fed to the receiver</a:t>
@@ -14954,13 +14904,6 @@
   <p:transition>
     <p:fade/>
   </p:transition>
-  <p:timing>
-    <p:tnLst>
-      <p:par>
-        <p:cTn id="1" dur="indefinite" restart="never" nodeType="tmRoot"/>
-      </p:par>
-    </p:tnLst>
-  </p:timing>
 </p:sld>
 </file>
 
@@ -15003,7 +14946,7 @@
           <a:p>
             <a:pPr algn="ctr" defTabSz="912813" eaLnBrk="1" hangingPunct="1"/>
             <a:r>
-              <a:rPr lang="en-US" dirty="0" smtClean="0"/>
+              <a:rPr lang="en-US" dirty="0"/>
               <a:t>Isotropic Antennas</a:t>
             </a:r>
           </a:p>
@@ -15041,41 +14984,12 @@
               </a:rPr>
               <a:t>Isotropic antenna: </a:t>
             </a:r>
-            <a:endParaRPr lang="en-US" sz="2000" dirty="0" smtClean="0">
-              <a:solidFill>
-                <a:srgbClr val="0070C0"/>
-              </a:solidFill>
-            </a:endParaRPr>
           </a:p>
           <a:p>
             <a:pPr lvl="1" eaLnBrk="1" hangingPunct="1"/>
             <a:r>
-              <a:rPr lang="en-US" sz="2000" dirty="0" smtClean="0"/>
-              <a:t>A </a:t>
-            </a:r>
-            <a:r>
               <a:rPr lang="en-US" sz="2000" dirty="0"/>
-              <a:t>point in space that radiates </a:t>
-            </a:r>
-            <a:r>
-              <a:rPr lang="en-US" sz="2000" dirty="0" smtClean="0"/>
-              <a:t>power in </a:t>
-            </a:r>
-            <a:r>
-              <a:rPr lang="en-US" sz="2000" dirty="0"/>
-              <a:t>all directions </a:t>
-            </a:r>
-            <a:r>
-              <a:rPr lang="en-US" sz="2000" dirty="0" smtClean="0"/>
-              <a:t>equally with </a:t>
-            </a:r>
-            <a:r>
-              <a:rPr lang="en-US" sz="2000" dirty="0"/>
-              <a:t>a spherical radiation </a:t>
-            </a:r>
-            <a:r>
-              <a:rPr lang="en-US" sz="2000" dirty="0" smtClean="0"/>
-              <a:t>pattern</a:t>
+              <a:t>A point in space that radiates power in all directions equally with a spherical radiation pattern</a:t>
             </a:r>
           </a:p>
           <a:p>
@@ -15698,7 +15612,7 @@
               <a:defRPr/>
             </a:pPr>
             <a:r>
-              <a:rPr lang="en-US" altLang="en-US" sz="1000" dirty="0" err="1" smtClean="0">
+              <a:rPr lang="en-US" altLang="en-US" sz="1000" dirty="0" err="1">
                 <a:solidFill>
                   <a:prstClr val="black"/>
                 </a:solidFill>
@@ -15708,24 +15622,14 @@
               <a:t>Src</a:t>
             </a:r>
             <a:r>
-              <a:rPr lang="en-US" altLang="en-US" sz="1000" dirty="0" smtClean="0">
+              <a:rPr lang="en-US" altLang="en-US" sz="1000" dirty="0">
                 <a:solidFill>
                   <a:prstClr val="black"/>
                 </a:solidFill>
                 <a:latin typeface="+mn-lt"/>
                 <a:ea typeface="Arial" panose="020B0604020202020204" pitchFamily="34" charset="0"/>
               </a:rPr>
-              <a:t>: </a:t>
-            </a:r>
-            <a:r>
-              <a:rPr lang="en-US" altLang="en-US" sz="1000" dirty="0">
-                <a:solidFill>
-                  <a:prstClr val="black"/>
-                </a:solidFill>
-                <a:latin typeface="+mn-lt"/>
-                <a:ea typeface="Arial" panose="020B0604020202020204" pitchFamily="34" charset="0"/>
-              </a:rPr>
-              <a:t>https://en.wikipedia.org/wiki/Free-space_path_loss</a:t>
+              <a:t>: https://en.wikipedia.org/wiki/Free-space_path_loss</a:t>
             </a:r>
             <a:endParaRPr lang="en-US" altLang="en-US" sz="1000" dirty="0">
               <a:solidFill>
@@ -15750,13 +15654,6 @@
   <p:transition>
     <p:fade/>
   </p:transition>
-  <p:timing>
-    <p:tnLst>
-      <p:par>
-        <p:cTn id="1" dur="indefinite" restart="never" nodeType="tmRoot"/>
-      </p:par>
-    </p:tnLst>
-  </p:timing>
 </p:sld>
 </file>
 
@@ -15802,13 +15699,9 @@
             <a:pPr defTabSz="912813"/>
             <a:r>
               <a:rPr lang="en-US" sz="4400" dirty="0"/>
-              <a:t>Isotropic </a:t>
+              <a:t>Isotropic Antennas</a:t>
             </a:r>
-            <a:r>
-              <a:rPr lang="en-US" sz="4400" dirty="0" smtClean="0"/>
-              <a:t>Antennas</a:t>
-            </a:r>
-            <a:endParaRPr lang="en-US" dirty="0" smtClean="0"/>
+            <a:endParaRPr lang="en-US" dirty="0"/>
           </a:p>
         </p:txBody>
       </p:sp>
@@ -16257,13 +16150,6 @@
   <p:transition>
     <p:fade/>
   </p:transition>
-  <p:timing>
-    <p:tnLst>
-      <p:par>
-        <p:cTn id="1" dur="indefinite" restart="never" nodeType="tmRoot"/>
-      </p:par>
-    </p:tnLst>
-  </p:timing>
 </p:sld>
 </file>
 
@@ -16306,7 +16192,7 @@
           <a:p>
             <a:pPr algn="ctr" defTabSz="912813" eaLnBrk="1" hangingPunct="1"/>
             <a:r>
-              <a:rPr lang="en-US" dirty="0" smtClean="0"/>
+              <a:rPr lang="en-US" dirty="0"/>
               <a:t>Omni-directional Antennas</a:t>
             </a:r>
           </a:p>
@@ -16337,7 +16223,7 @@
               <a:buChar char="q"/>
             </a:pPr>
             <a:r>
-              <a:rPr lang="en-US" sz="2000" dirty="0" smtClean="0">
+              <a:rPr lang="en-US" sz="2000" dirty="0">
                 <a:solidFill>
                   <a:srgbClr val="0070C0"/>
                 </a:solidFill>
@@ -16345,11 +16231,11 @@
               <a:t>Omni-directional antenna: </a:t>
             </a:r>
             <a:r>
-              <a:rPr lang="en-US" sz="2000" dirty="0" smtClean="0"/>
+              <a:rPr lang="en-US" sz="2000" dirty="0"/>
               <a:t>power propagates uniformly in all directions </a:t>
             </a:r>
             <a:r>
-              <a:rPr lang="en-US" sz="2000" dirty="0" smtClean="0">
+              <a:rPr lang="en-US" sz="2000" dirty="0">
                 <a:solidFill>
                   <a:srgbClr val="C00000"/>
                 </a:solidFill>
@@ -16363,7 +16249,7 @@
               <a:buChar char="q"/>
             </a:pPr>
             <a:r>
-              <a:rPr lang="en-US" sz="1600" dirty="0" smtClean="0"/>
+              <a:rPr lang="en-US" sz="1600" dirty="0"/>
               <a:t>Cell phones, FM radios, walkie-talkies etc.</a:t>
             </a:r>
           </a:p>
@@ -16587,7 +16473,7 @@
               <a:defRPr/>
             </a:pPr>
             <a:r>
-              <a:rPr lang="en-US" altLang="en-US" sz="1000" dirty="0" err="1" smtClean="0">
+              <a:rPr lang="en-US" altLang="en-US" sz="1000" dirty="0" err="1">
                 <a:solidFill>
                   <a:prstClr val="black"/>
                 </a:solidFill>
@@ -16597,24 +16483,14 @@
               <a:t>Src</a:t>
             </a:r>
             <a:r>
-              <a:rPr lang="en-US" altLang="en-US" sz="1000" dirty="0" smtClean="0">
+              <a:rPr lang="en-US" altLang="en-US" sz="1000" dirty="0">
                 <a:solidFill>
                   <a:prstClr val="black"/>
                 </a:solidFill>
                 <a:latin typeface="+mn-lt"/>
                 <a:ea typeface="Arial" panose="020B0604020202020204" pitchFamily="34" charset="0"/>
               </a:rPr>
-              <a:t>: </a:t>
-            </a:r>
-            <a:r>
-              <a:rPr lang="en-US" altLang="en-US" sz="1000" dirty="0">
-                <a:solidFill>
-                  <a:prstClr val="black"/>
-                </a:solidFill>
-                <a:latin typeface="+mn-lt"/>
-                <a:ea typeface="Arial" panose="020B0604020202020204" pitchFamily="34" charset="0"/>
-              </a:rPr>
-              <a:t>https://commons.wikimedia.org/wiki/File:Elem-doub-rad-pat-pers.svg</a:t>
+              <a:t>: https://commons.wikimedia.org/wiki/File:Elem-doub-rad-pat-pers.svg</a:t>
             </a:r>
             <a:endParaRPr lang="en-US" altLang="en-US" sz="1000" dirty="0">
               <a:solidFill>
@@ -16639,13 +16515,6 @@
   <p:transition>
     <p:fade/>
   </p:transition>
-  <p:timing>
-    <p:tnLst>
-      <p:par>
-        <p:cTn id="1" dur="indefinite" restart="never" nodeType="tmRoot"/>
-      </p:par>
-    </p:tnLst>
-  </p:timing>
 </p:sld>
 </file>
 
@@ -16688,7 +16557,7 @@
           <a:p>
             <a:pPr algn="ctr" defTabSz="912813" eaLnBrk="1" hangingPunct="1"/>
             <a:r>
-              <a:rPr lang="en-US" dirty="0" smtClean="0"/>
+              <a:rPr lang="en-US" dirty="0"/>
               <a:t>Directional Antennas</a:t>
             </a:r>
           </a:p>
@@ -16719,7 +16588,7 @@
               <a:buChar char="q"/>
             </a:pPr>
             <a:r>
-              <a:rPr lang="en-US" sz="2000" dirty="0" smtClean="0">
+              <a:rPr lang="en-US" sz="2000" dirty="0">
                 <a:solidFill>
                   <a:srgbClr val="0070C0"/>
                 </a:solidFill>
@@ -16727,16 +16596,8 @@
               <a:t>Directional antenna: </a:t>
             </a:r>
             <a:r>
-              <a:rPr lang="en-US" sz="2000" dirty="0" smtClean="0"/>
-              <a:t>Parabolic </a:t>
-            </a:r>
-            <a:r>
               <a:rPr lang="en-US" sz="2000" dirty="0"/>
-              <a:t>r</a:t>
-            </a:r>
-            <a:r>
-              <a:rPr lang="en-US" sz="2000" dirty="0" smtClean="0"/>
-              <a:t>eflective antenna</a:t>
+              <a:t>Parabolic reflective antenna</a:t>
             </a:r>
           </a:p>
           <a:p>
@@ -16749,15 +16610,7 @@
                   <a:srgbClr val="0070C0"/>
                 </a:solidFill>
               </a:rPr>
-              <a:t> </a:t>
-            </a:r>
-            <a:r>
-              <a:rPr lang="en-US" sz="2000" dirty="0" smtClean="0">
-                <a:solidFill>
-                  <a:srgbClr val="0070C0"/>
-                </a:solidFill>
-              </a:rPr>
-              <a:t>    	</a:t>
+              <a:t>     	</a:t>
             </a:r>
             <a:endParaRPr lang="en-US" sz="2000" dirty="0"/>
           </a:p>
@@ -16806,13 +16659,6 @@
   <p:transition>
     <p:fade/>
   </p:transition>
-  <p:timing>
-    <p:tnLst>
-      <p:par>
-        <p:cTn id="1" dur="indefinite" restart="never" nodeType="tmRoot"/>
-      </p:par>
-    </p:tnLst>
-  </p:timing>
 </p:sld>
 </file>
 
@@ -16855,7 +16701,7 @@
           <a:p>
             <a:pPr algn="ctr" defTabSz="912813" eaLnBrk="1" hangingPunct="1"/>
             <a:r>
-              <a:rPr lang="en-US" dirty="0" smtClean="0"/>
+              <a:rPr lang="en-US" dirty="0"/>
               <a:t>Antennas</a:t>
             </a:r>
           </a:p>
@@ -16886,7 +16732,7 @@
               <a:buChar char="q"/>
             </a:pPr>
             <a:r>
-              <a:rPr lang="en-US" sz="2000" dirty="0" smtClean="0">
+              <a:rPr lang="en-US" sz="2000" dirty="0">
                 <a:solidFill>
                   <a:srgbClr val="0070C0"/>
                 </a:solidFill>
@@ -16894,16 +16740,8 @@
               <a:t>Directional antenna: </a:t>
             </a:r>
             <a:r>
-              <a:rPr lang="en-US" sz="2000" dirty="0" smtClean="0"/>
-              <a:t>Parabolic </a:t>
-            </a:r>
-            <a:r>
               <a:rPr lang="en-US" sz="2000" dirty="0"/>
-              <a:t>r</a:t>
-            </a:r>
-            <a:r>
-              <a:rPr lang="en-US" sz="2000" dirty="0" smtClean="0"/>
-              <a:t>eflective antenna</a:t>
+              <a:t>Parabolic reflective antenna</a:t>
             </a:r>
           </a:p>
           <a:p>
@@ -16912,7 +16750,7 @@
               <a:buChar char="q"/>
             </a:pPr>
             <a:r>
-              <a:rPr lang="en-US" sz="1600" dirty="0" smtClean="0"/>
+              <a:rPr lang="en-US" sz="1600" dirty="0"/>
               <a:t>Satellite communications, radio telescopes etc.</a:t>
             </a:r>
           </a:p>
@@ -16926,15 +16764,7 @@
                   <a:srgbClr val="0070C0"/>
                 </a:solidFill>
               </a:rPr>
-              <a:t> </a:t>
-            </a:r>
-            <a:r>
-              <a:rPr lang="en-US" sz="2000" dirty="0" smtClean="0">
-                <a:solidFill>
-                  <a:srgbClr val="0070C0"/>
-                </a:solidFill>
-              </a:rPr>
-              <a:t>    	</a:t>
+              <a:t>     	</a:t>
             </a:r>
             <a:endParaRPr lang="en-US" sz="2000" dirty="0"/>
           </a:p>
@@ -17151,7 +16981,7 @@
               <a:defRPr/>
             </a:pPr>
             <a:r>
-              <a:rPr lang="en-US" altLang="en-US" sz="1000" dirty="0" err="1" smtClean="0">
+              <a:rPr lang="en-US" altLang="en-US" sz="1000" dirty="0" err="1">
                 <a:solidFill>
                   <a:prstClr val="black"/>
                 </a:solidFill>
@@ -17193,13 +17023,6 @@
   <p:transition>
     <p:fade/>
   </p:transition>
-  <p:timing>
-    <p:tnLst>
-      <p:par>
-        <p:cTn id="1" dur="indefinite" restart="never" nodeType="tmRoot"/>
-      </p:par>
-    </p:tnLst>
-  </p:timing>
 </p:sld>
 </file>
 
@@ -17242,7 +17065,7 @@
           <a:p>
             <a:pPr algn="ctr" defTabSz="912813" eaLnBrk="1" hangingPunct="1"/>
             <a:r>
-              <a:rPr lang="en-US" dirty="0" smtClean="0"/>
+              <a:rPr lang="en-US" dirty="0"/>
               <a:t>Antenna Gain</a:t>
             </a:r>
           </a:p>
@@ -17273,7 +17096,7 @@
               <a:buChar char="q"/>
             </a:pPr>
             <a:r>
-              <a:rPr lang="en-US" sz="2000" dirty="0" smtClean="0">
+              <a:rPr lang="en-US" sz="2000" dirty="0">
                 <a:solidFill>
                   <a:srgbClr val="0070C0"/>
                 </a:solidFill>
@@ -17284,19 +17107,18 @@
           <a:p>
             <a:pPr lvl="1" eaLnBrk="1" hangingPunct="1"/>
             <a:r>
-              <a:rPr lang="en-US" sz="1800" dirty="0" smtClean="0"/>
+              <a:rPr lang="en-US" sz="1800" dirty="0"/>
               <a:t>Measure of directionality</a:t>
             </a:r>
-            <a:endParaRPr lang="en-US" sz="1800" dirty="0"/>
           </a:p>
           <a:p>
             <a:pPr lvl="1" eaLnBrk="1" hangingPunct="1"/>
             <a:r>
-              <a:rPr lang="en-US" sz="1800" dirty="0" smtClean="0"/>
+              <a:rPr lang="en-US" sz="1800" dirty="0"/>
               <a:t>Defined as the power output in a particular direction, compared to that produced in any direction by a perfect isotropic antenna (</a:t>
             </a:r>
             <a:r>
-              <a:rPr lang="en-US" sz="1800" dirty="0" err="1" smtClean="0">
+              <a:rPr lang="en-US" sz="1800" dirty="0" err="1">
                 <a:solidFill>
                   <a:srgbClr val="FF0000"/>
                 </a:solidFill>
@@ -17304,7 +17126,7 @@
               <a:t>dBi</a:t>
             </a:r>
             <a:r>
-              <a:rPr lang="en-US" sz="1800" dirty="0" smtClean="0"/>
+              <a:rPr lang="en-US" sz="1800" dirty="0"/>
               <a:t>)</a:t>
             </a:r>
           </a:p>
@@ -17314,19 +17136,13 @@
               <a:rPr lang="en-US" sz="1800" dirty="0">
                 <a:hlinkClick r:id="rId3"/>
               </a:rPr>
-              <a:t>http://</a:t>
+              <a:t>http://www.cisco.com/en/US/prod/collateral/wireless/ps7183/ps469/product_data_sheet09186a008008883b.html</a:t>
             </a:r>
-            <a:r>
-              <a:rPr lang="en-US" sz="1800" dirty="0" smtClean="0">
-                <a:hlinkClick r:id="rId3"/>
-              </a:rPr>
-              <a:t>www.cisco.com/en/US/prod/collateral/wireless/ps7183/ps469/product_data_sheet09186a008008883b.html</a:t>
-            </a:r>
-            <a:endParaRPr lang="en-US" sz="1800" dirty="0" smtClean="0"/>
+            <a:endParaRPr lang="en-US" sz="1800" dirty="0"/>
           </a:p>
           <a:p>
             <a:pPr lvl="1" eaLnBrk="1" hangingPunct="1"/>
-            <a:endParaRPr lang="en-US" sz="1800" dirty="0" smtClean="0"/>
+            <a:endParaRPr lang="en-US" sz="1800" dirty="0"/>
           </a:p>
           <a:p>
             <a:pPr eaLnBrk="1" hangingPunct="1">
@@ -17624,7 +17440,7 @@
           <a:lstStyle/>
           <a:p>
             <a:r>
-              <a:rPr lang="en-US" sz="2000" dirty="0" smtClean="0">
+              <a:rPr lang="en-US" sz="2000" dirty="0">
                 <a:solidFill>
                   <a:srgbClr val="FF0000"/>
                 </a:solidFill>
@@ -17633,13 +17449,6 @@
               </a:rPr>
               <a:t>Radiated power of directional antenna</a:t>
             </a:r>
-            <a:endParaRPr lang="en-US" sz="2000" dirty="0">
-              <a:solidFill>
-                <a:srgbClr val="FF0000"/>
-              </a:solidFill>
-              <a:latin typeface="Avenir Book" panose="020B0503020203020204" pitchFamily="34" charset="-78"/>
-              <a:cs typeface="Avenir Book" panose="020B0503020203020204" pitchFamily="34" charset="-78"/>
-            </a:endParaRPr>
           </a:p>
         </p:txBody>
       </p:sp>
@@ -17666,7 +17475,7 @@
           <a:lstStyle/>
           <a:p>
             <a:r>
-              <a:rPr lang="en-US" sz="2000" dirty="0" smtClean="0">
+              <a:rPr lang="en-US" sz="2000" dirty="0">
                 <a:solidFill>
                   <a:srgbClr val="FF0000"/>
                 </a:solidFill>
@@ -17675,13 +17484,6 @@
               </a:rPr>
               <a:t>Radiated power of isotropic antenna</a:t>
             </a:r>
-            <a:endParaRPr lang="en-US" sz="2000" dirty="0">
-              <a:solidFill>
-                <a:srgbClr val="FF0000"/>
-              </a:solidFill>
-              <a:latin typeface="Avenir Book" panose="020B0503020203020204" pitchFamily="34" charset="-78"/>
-              <a:cs typeface="Avenir Book" panose="020B0503020203020204" pitchFamily="34" charset="-78"/>
-            </a:endParaRPr>
           </a:p>
         </p:txBody>
       </p:sp>
@@ -17979,7 +17781,7 @@
               <a:defRPr/>
             </a:pPr>
             <a:r>
-              <a:rPr lang="en-US" altLang="en-US" sz="1000" dirty="0" err="1" smtClean="0">
+              <a:rPr lang="en-US" altLang="en-US" sz="1000" dirty="0" err="1">
                 <a:solidFill>
                   <a:prstClr val="black"/>
                 </a:solidFill>
@@ -17989,24 +17791,14 @@
               <a:t>Src</a:t>
             </a:r>
             <a:r>
-              <a:rPr lang="en-US" altLang="en-US" sz="1000" dirty="0" smtClean="0">
+              <a:rPr lang="en-US" altLang="en-US" sz="1000" dirty="0">
                 <a:solidFill>
                   <a:prstClr val="black"/>
                 </a:solidFill>
                 <a:latin typeface="+mn-lt"/>
                 <a:ea typeface="Arial" panose="020B0604020202020204" pitchFamily="34" charset="0"/>
               </a:rPr>
-              <a:t>: </a:t>
-            </a:r>
-            <a:r>
-              <a:rPr lang="en-US" altLang="en-US" sz="1000" dirty="0">
-                <a:solidFill>
-                  <a:prstClr val="black"/>
-                </a:solidFill>
-                <a:latin typeface="+mn-lt"/>
-                <a:ea typeface="Arial" panose="020B0604020202020204" pitchFamily="34" charset="0"/>
-              </a:rPr>
-              <a:t>https://www.ahsystems.com/articles/Understanding-antenna-gain-beamwidth-directivity.php</a:t>
+              <a:t>: https://www.ahsystems.com/articles/Understanding-antenna-gain-beamwidth-directivity.php</a:t>
             </a:r>
             <a:endParaRPr lang="en-US" altLang="en-US" sz="1000" dirty="0">
               <a:solidFill>
@@ -18031,13 +17823,6 @@
   <p:transition>
     <p:fade/>
   </p:transition>
-  <p:timing>
-    <p:tnLst>
-      <p:par>
-        <p:cTn id="1" dur="indefinite" restart="never" nodeType="tmRoot"/>
-      </p:par>
-    </p:tnLst>
-  </p:timing>
 </p:sld>
 </file>
 
@@ -18080,7 +17865,7 @@
           <a:p>
             <a:pPr algn="ctr" defTabSz="912813" eaLnBrk="1" hangingPunct="1"/>
             <a:r>
-              <a:rPr lang="en-US" dirty="0" smtClean="0"/>
+              <a:rPr lang="en-US" dirty="0"/>
               <a:t>Antenna Gain</a:t>
             </a:r>
           </a:p>
@@ -18111,7 +17896,7 @@
               <a:buChar char="q"/>
             </a:pPr>
             <a:r>
-              <a:rPr lang="en-US" sz="2000" dirty="0" smtClean="0">
+              <a:rPr lang="en-US" sz="2000" dirty="0">
                 <a:solidFill>
                   <a:srgbClr val="0070C0"/>
                 </a:solidFill>
@@ -18449,7 +18234,7 @@
         </p:nvSpPr>
         <p:spPr bwMode="auto">
           <a:xfrm>
-            <a:off x="397180" y="4865500"/>
+            <a:off x="397180" y="4838605"/>
             <a:ext cx="4068730" cy="336649"/>
           </a:xfrm>
           <a:prstGeom prst="rect">
@@ -18606,7 +18391,7 @@
               <a:defRPr/>
             </a:pPr>
             <a:r>
-              <a:rPr lang="en-US" altLang="en-US" sz="1000" dirty="0" err="1" smtClean="0">
+              <a:rPr lang="en-US" altLang="en-US" sz="1000" dirty="0" err="1">
                 <a:solidFill>
                   <a:prstClr val="black"/>
                 </a:solidFill>
@@ -18616,24 +18401,14 @@
               <a:t>Src</a:t>
             </a:r>
             <a:r>
-              <a:rPr lang="en-US" altLang="en-US" sz="1000" dirty="0" smtClean="0">
+              <a:rPr lang="en-US" altLang="en-US" sz="1000" dirty="0">
                 <a:solidFill>
                   <a:prstClr val="black"/>
                 </a:solidFill>
                 <a:latin typeface="+mn-lt"/>
                 <a:ea typeface="Arial" panose="020B0604020202020204" pitchFamily="34" charset="0"/>
               </a:rPr>
-              <a:t>: </a:t>
-            </a:r>
-            <a:r>
-              <a:rPr lang="en-US" altLang="en-US" sz="1000" dirty="0">
-                <a:solidFill>
-                  <a:prstClr val="black"/>
-                </a:solidFill>
-                <a:latin typeface="+mn-lt"/>
-                <a:ea typeface="Arial" panose="020B0604020202020204" pitchFamily="34" charset="0"/>
-              </a:rPr>
-              <a:t>https://www.ahsystems.com/articles/Understanding-antenna-gain-beamwidth-directivity.php</a:t>
+              <a:t>: https://www.ahsystems.com/articles/Understanding-antenna-gain-beamwidth-directivity.php</a:t>
             </a:r>
             <a:endParaRPr lang="en-US" altLang="en-US" sz="1000" dirty="0">
               <a:solidFill>
@@ -18658,13 +18433,6 @@
   <p:transition>
     <p:fade/>
   </p:transition>
-  <p:timing>
-    <p:tnLst>
-      <p:par>
-        <p:cTn id="1" dur="indefinite" restart="never" nodeType="tmRoot"/>
-      </p:par>
-    </p:tnLst>
-  </p:timing>
 </p:sld>
 </file>
 
